--- a/lectures/lecture-02/CSE12F20-Lecture-02-Review-JUnit-Worksheet.pptx
+++ b/lectures/lecture-02/CSE12F20-Lecture-02-Review-JUnit-Worksheet.pptx
@@ -8610,838 +8610,6 @@
       </p:graphicFrame>
       <p:sp>
         <p:nvSpPr>
-          <p:cNvPr id="69" name="Google Shape;69;p14"/>
-          <p:cNvSpPr txBox="1"/>
-          <p:nvPr/>
-        </p:nvSpPr>
-        <p:spPr>
-          <a:xfrm>
-            <a:off x="266225" y="5521825"/>
-            <a:ext cx="3812700" cy="4201200"/>
-          </a:xfrm>
-          <a:prstGeom prst="rect">
-            <a:avLst/>
-          </a:prstGeom>
-          <a:noFill/>
-          <a:ln>
-            <a:noFill/>
-          </a:ln>
-        </p:spPr>
-        <p:txBody>
-          <a:bodyPr spcFirstLastPara="1" wrap="square" lIns="91425" tIns="91425" rIns="91425" bIns="91425" anchor="ctr" anchorCtr="0">
-            <a:noAutofit/>
-          </a:bodyPr>
-          <a:lstStyle/>
-          <a:p>
-            <a:pPr marL="0" lvl="0" indent="0" algn="l" rtl="0">
-              <a:spcBef>
-                <a:spcPts val="0"/>
-              </a:spcBef>
-              <a:spcAft>
-                <a:spcPts val="0"/>
-              </a:spcAft>
-              <a:buNone/>
-            </a:pPr>
-            <a:r>
-              <a:rPr lang="en" sz="800" dirty="0">
-                <a:latin typeface="Roboto Mono"/>
-                <a:ea typeface="Roboto Mono"/>
-                <a:cs typeface="Roboto Mono"/>
-                <a:sym typeface="Roboto Mono"/>
-              </a:rPr>
-              <a:t>  class Coord {</a:t>
-            </a:r>
-            <a:endParaRPr sz="800" dirty="0">
-              <a:latin typeface="Roboto Mono"/>
-              <a:ea typeface="Roboto Mono"/>
-              <a:cs typeface="Roboto Mono"/>
-              <a:sym typeface="Roboto Mono"/>
-            </a:endParaRPr>
-          </a:p>
-          <a:p>
-            <a:pPr marL="0" lvl="0" indent="0" algn="l" rtl="0">
-              <a:spcBef>
-                <a:spcPts val="0"/>
-              </a:spcBef>
-              <a:spcAft>
-                <a:spcPts val="0"/>
-              </a:spcAft>
-              <a:buNone/>
-            </a:pPr>
-            <a:r>
-              <a:rPr lang="en" sz="800" dirty="0">
-                <a:latin typeface="Roboto Mono"/>
-                <a:ea typeface="Roboto Mono"/>
-                <a:cs typeface="Roboto Mono"/>
-                <a:sym typeface="Roboto Mono"/>
-              </a:rPr>
-              <a:t>    public int row, col;</a:t>
-            </a:r>
-            <a:endParaRPr sz="800" dirty="0">
-              <a:latin typeface="Roboto Mono"/>
-              <a:ea typeface="Roboto Mono"/>
-              <a:cs typeface="Roboto Mono"/>
-              <a:sym typeface="Roboto Mono"/>
-            </a:endParaRPr>
-          </a:p>
-          <a:p>
-            <a:pPr marL="0" lvl="0" indent="0" algn="l" rtl="0">
-              <a:spcBef>
-                <a:spcPts val="0"/>
-              </a:spcBef>
-              <a:spcAft>
-                <a:spcPts val="0"/>
-              </a:spcAft>
-              <a:buNone/>
-            </a:pPr>
-            <a:r>
-              <a:rPr lang="en" sz="800" dirty="0">
-                <a:latin typeface="Roboto Mono"/>
-                <a:ea typeface="Roboto Mono"/>
-                <a:cs typeface="Roboto Mono"/>
-                <a:sym typeface="Roboto Mono"/>
-              </a:rPr>
-              <a:t>    public Coord(int row, int col) {</a:t>
-            </a:r>
-            <a:endParaRPr sz="800" dirty="0">
-              <a:latin typeface="Roboto Mono"/>
-              <a:ea typeface="Roboto Mono"/>
-              <a:cs typeface="Roboto Mono"/>
-              <a:sym typeface="Roboto Mono"/>
-            </a:endParaRPr>
-          </a:p>
-          <a:p>
-            <a:pPr marL="0" lvl="0" indent="0" algn="l" rtl="0">
-              <a:spcBef>
-                <a:spcPts val="0"/>
-              </a:spcBef>
-              <a:spcAft>
-                <a:spcPts val="0"/>
-              </a:spcAft>
-              <a:buNone/>
-            </a:pPr>
-            <a:r>
-              <a:rPr lang="en" sz="800" dirty="0">
-                <a:latin typeface="Roboto Mono"/>
-                <a:ea typeface="Roboto Mono"/>
-                <a:cs typeface="Roboto Mono"/>
-                <a:sym typeface="Roboto Mono"/>
-              </a:rPr>
-              <a:t>      this.row = row;</a:t>
-            </a:r>
-            <a:endParaRPr sz="800" dirty="0">
-              <a:latin typeface="Roboto Mono"/>
-              <a:ea typeface="Roboto Mono"/>
-              <a:cs typeface="Roboto Mono"/>
-              <a:sym typeface="Roboto Mono"/>
-            </a:endParaRPr>
-          </a:p>
-          <a:p>
-            <a:pPr marL="0" lvl="0" indent="0" algn="l" rtl="0">
-              <a:spcBef>
-                <a:spcPts val="0"/>
-              </a:spcBef>
-              <a:spcAft>
-                <a:spcPts val="0"/>
-              </a:spcAft>
-              <a:buNone/>
-            </a:pPr>
-            <a:r>
-              <a:rPr lang="en" sz="800" dirty="0">
-                <a:latin typeface="Roboto Mono"/>
-                <a:ea typeface="Roboto Mono"/>
-                <a:cs typeface="Roboto Mono"/>
-                <a:sym typeface="Roboto Mono"/>
-              </a:rPr>
-              <a:t>      this.col = col;</a:t>
-            </a:r>
-            <a:endParaRPr sz="800" dirty="0">
-              <a:latin typeface="Roboto Mono"/>
-              <a:ea typeface="Roboto Mono"/>
-              <a:cs typeface="Roboto Mono"/>
-              <a:sym typeface="Roboto Mono"/>
-            </a:endParaRPr>
-          </a:p>
-          <a:p>
-            <a:pPr marL="0" lvl="0" indent="0" algn="l" rtl="0">
-              <a:spcBef>
-                <a:spcPts val="0"/>
-              </a:spcBef>
-              <a:spcAft>
-                <a:spcPts val="0"/>
-              </a:spcAft>
-              <a:buNone/>
-            </a:pPr>
-            <a:r>
-              <a:rPr lang="en" sz="800" dirty="0">
-                <a:latin typeface="Roboto Mono"/>
-                <a:ea typeface="Roboto Mono"/>
-                <a:cs typeface="Roboto Mono"/>
-                <a:sym typeface="Roboto Mono"/>
-              </a:rPr>
-              <a:t>    }</a:t>
-            </a:r>
-            <a:endParaRPr sz="800" dirty="0">
-              <a:latin typeface="Roboto Mono"/>
-              <a:ea typeface="Roboto Mono"/>
-              <a:cs typeface="Roboto Mono"/>
-              <a:sym typeface="Roboto Mono"/>
-            </a:endParaRPr>
-          </a:p>
-          <a:p>
-            <a:pPr marL="0" lvl="0" indent="0" algn="l" rtl="0">
-              <a:spcBef>
-                <a:spcPts val="0"/>
-              </a:spcBef>
-              <a:spcAft>
-                <a:spcPts val="0"/>
-              </a:spcAft>
-              <a:buNone/>
-            </a:pPr>
-            <a:r>
-              <a:rPr lang="en" sz="800" dirty="0">
-                <a:latin typeface="Roboto Mono"/>
-                <a:ea typeface="Roboto Mono"/>
-                <a:cs typeface="Roboto Mono"/>
-                <a:sym typeface="Roboto Mono"/>
-              </a:rPr>
-              <a:t>  }</a:t>
-            </a:r>
-            <a:endParaRPr sz="800" dirty="0">
-              <a:latin typeface="Roboto Mono"/>
-              <a:ea typeface="Roboto Mono"/>
-              <a:cs typeface="Roboto Mono"/>
-              <a:sym typeface="Roboto Mono"/>
-            </a:endParaRPr>
-          </a:p>
-          <a:p>
-            <a:pPr marL="0" lvl="0" indent="0" algn="l" rtl="0">
-              <a:spcBef>
-                <a:spcPts val="0"/>
-              </a:spcBef>
-              <a:spcAft>
-                <a:spcPts val="0"/>
-              </a:spcAft>
-              <a:buNone/>
-            </a:pPr>
-            <a:r>
-              <a:rPr lang="en" sz="800" dirty="0">
-                <a:latin typeface="Roboto Mono"/>
-                <a:ea typeface="Roboto Mono"/>
-                <a:cs typeface="Roboto Mono"/>
-                <a:sym typeface="Roboto Mono"/>
-              </a:rPr>
-              <a:t>  class Car {</a:t>
-            </a:r>
-            <a:endParaRPr sz="800" dirty="0">
-              <a:latin typeface="Roboto Mono"/>
-              <a:ea typeface="Roboto Mono"/>
-              <a:cs typeface="Roboto Mono"/>
-              <a:sym typeface="Roboto Mono"/>
-            </a:endParaRPr>
-          </a:p>
-          <a:p>
-            <a:pPr marL="0" lvl="0" indent="0" algn="l" rtl="0">
-              <a:spcBef>
-                <a:spcPts val="0"/>
-              </a:spcBef>
-              <a:spcAft>
-                <a:spcPts val="0"/>
-              </a:spcAft>
-              <a:buNone/>
-            </a:pPr>
-            <a:r>
-              <a:rPr lang="en" sz="800" dirty="0">
-                <a:latin typeface="Roboto Mono"/>
-                <a:ea typeface="Roboto Mono"/>
-                <a:cs typeface="Roboto Mono"/>
-                <a:sym typeface="Roboto Mono"/>
-              </a:rPr>
-              <a:t>    public String color;</a:t>
-            </a:r>
-            <a:endParaRPr sz="800" dirty="0">
-              <a:latin typeface="Roboto Mono"/>
-              <a:ea typeface="Roboto Mono"/>
-              <a:cs typeface="Roboto Mono"/>
-              <a:sym typeface="Roboto Mono"/>
-            </a:endParaRPr>
-          </a:p>
-          <a:p>
-            <a:pPr marL="0" lvl="0" indent="0" algn="l" rtl="0">
-              <a:spcBef>
-                <a:spcPts val="0"/>
-              </a:spcBef>
-              <a:spcAft>
-                <a:spcPts val="0"/>
-              </a:spcAft>
-              <a:buNone/>
-            </a:pPr>
-            <a:r>
-              <a:rPr lang="en" sz="800" dirty="0">
-                <a:latin typeface="Roboto Mono"/>
-                <a:ea typeface="Roboto Mono"/>
-                <a:cs typeface="Roboto Mono"/>
-                <a:sym typeface="Roboto Mono"/>
-              </a:rPr>
-              <a:t>    public Coord location;</a:t>
-            </a:r>
-            <a:endParaRPr sz="800" dirty="0">
-              <a:latin typeface="Roboto Mono"/>
-              <a:ea typeface="Roboto Mono"/>
-              <a:cs typeface="Roboto Mono"/>
-              <a:sym typeface="Roboto Mono"/>
-            </a:endParaRPr>
-          </a:p>
-          <a:p>
-            <a:pPr marL="0" lvl="0" indent="0" algn="l" rtl="0">
-              <a:spcBef>
-                <a:spcPts val="0"/>
-              </a:spcBef>
-              <a:spcAft>
-                <a:spcPts val="0"/>
-              </a:spcAft>
-              <a:buNone/>
-            </a:pPr>
-            <a:r>
-              <a:rPr lang="en" sz="800" dirty="0">
-                <a:latin typeface="Roboto Mono"/>
-                <a:ea typeface="Roboto Mono"/>
-                <a:cs typeface="Roboto Mono"/>
-                <a:sym typeface="Roboto Mono"/>
-              </a:rPr>
-              <a:t>    public Car(String color, Coord location) {</a:t>
-            </a:r>
-            <a:endParaRPr sz="800" dirty="0">
-              <a:latin typeface="Roboto Mono"/>
-              <a:ea typeface="Roboto Mono"/>
-              <a:cs typeface="Roboto Mono"/>
-              <a:sym typeface="Roboto Mono"/>
-            </a:endParaRPr>
-          </a:p>
-          <a:p>
-            <a:pPr marL="0" lvl="0" indent="0" algn="l" rtl="0">
-              <a:spcBef>
-                <a:spcPts val="0"/>
-              </a:spcBef>
-              <a:spcAft>
-                <a:spcPts val="0"/>
-              </a:spcAft>
-              <a:buNone/>
-            </a:pPr>
-            <a:r>
-              <a:rPr lang="en" sz="800" dirty="0">
-                <a:latin typeface="Roboto Mono"/>
-                <a:ea typeface="Roboto Mono"/>
-                <a:cs typeface="Roboto Mono"/>
-                <a:sym typeface="Roboto Mono"/>
-              </a:rPr>
-              <a:t>      this.color = color;</a:t>
-            </a:r>
-            <a:endParaRPr sz="800" dirty="0">
-              <a:latin typeface="Roboto Mono"/>
-              <a:ea typeface="Roboto Mono"/>
-              <a:cs typeface="Roboto Mono"/>
-              <a:sym typeface="Roboto Mono"/>
-            </a:endParaRPr>
-          </a:p>
-          <a:p>
-            <a:pPr marL="0" lvl="0" indent="0" algn="l" rtl="0">
-              <a:spcBef>
-                <a:spcPts val="0"/>
-              </a:spcBef>
-              <a:spcAft>
-                <a:spcPts val="0"/>
-              </a:spcAft>
-              <a:buNone/>
-            </a:pPr>
-            <a:r>
-              <a:rPr lang="en" sz="800" dirty="0">
-                <a:latin typeface="Roboto Mono"/>
-                <a:ea typeface="Roboto Mono"/>
-                <a:cs typeface="Roboto Mono"/>
-                <a:sym typeface="Roboto Mono"/>
-              </a:rPr>
-              <a:t>      this.location = location;</a:t>
-            </a:r>
-            <a:endParaRPr sz="800" dirty="0">
-              <a:latin typeface="Roboto Mono"/>
-              <a:ea typeface="Roboto Mono"/>
-              <a:cs typeface="Roboto Mono"/>
-              <a:sym typeface="Roboto Mono"/>
-            </a:endParaRPr>
-          </a:p>
-          <a:p>
-            <a:pPr marL="0" lvl="0" indent="0" algn="l" rtl="0">
-              <a:spcBef>
-                <a:spcPts val="0"/>
-              </a:spcBef>
-              <a:spcAft>
-                <a:spcPts val="0"/>
-              </a:spcAft>
-              <a:buNone/>
-            </a:pPr>
-            <a:r>
-              <a:rPr lang="en" sz="800" dirty="0">
-                <a:latin typeface="Roboto Mono"/>
-                <a:ea typeface="Roboto Mono"/>
-                <a:cs typeface="Roboto Mono"/>
-                <a:sym typeface="Roboto Mono"/>
-              </a:rPr>
-              <a:t>    }</a:t>
-            </a:r>
-            <a:endParaRPr sz="800" dirty="0">
-              <a:latin typeface="Roboto Mono"/>
-              <a:ea typeface="Roboto Mono"/>
-              <a:cs typeface="Roboto Mono"/>
-              <a:sym typeface="Roboto Mono"/>
-            </a:endParaRPr>
-          </a:p>
-          <a:p>
-            <a:pPr marL="0" lvl="0" indent="0" algn="l" rtl="0">
-              <a:spcBef>
-                <a:spcPts val="0"/>
-              </a:spcBef>
-              <a:spcAft>
-                <a:spcPts val="0"/>
-              </a:spcAft>
-              <a:buNone/>
-            </a:pPr>
-            <a:r>
-              <a:rPr lang="en" sz="800" dirty="0">
-                <a:latin typeface="Roboto Mono"/>
-                <a:ea typeface="Roboto Mono"/>
-                <a:cs typeface="Roboto Mono"/>
-                <a:sym typeface="Roboto Mono"/>
-              </a:rPr>
-              <a:t>  }</a:t>
-            </a:r>
-            <a:endParaRPr sz="800" dirty="0">
-              <a:latin typeface="Roboto Mono"/>
-              <a:ea typeface="Roboto Mono"/>
-              <a:cs typeface="Roboto Mono"/>
-              <a:sym typeface="Roboto Mono"/>
-            </a:endParaRPr>
-          </a:p>
-          <a:p>
-            <a:pPr marL="0" lvl="0" indent="0" algn="l" rtl="0">
-              <a:spcBef>
-                <a:spcPts val="0"/>
-              </a:spcBef>
-              <a:spcAft>
-                <a:spcPts val="0"/>
-              </a:spcAft>
-              <a:buNone/>
-            </a:pPr>
-            <a:r>
-              <a:rPr lang="en" sz="800" dirty="0">
-                <a:latin typeface="Roboto Mono"/>
-                <a:ea typeface="Roboto Mono"/>
-                <a:cs typeface="Roboto Mono"/>
-                <a:sym typeface="Roboto Mono"/>
-              </a:rPr>
-              <a:t>  class Q1 {</a:t>
-            </a:r>
-            <a:endParaRPr sz="800" dirty="0">
-              <a:latin typeface="Roboto Mono"/>
-              <a:ea typeface="Roboto Mono"/>
-              <a:cs typeface="Roboto Mono"/>
-              <a:sym typeface="Roboto Mono"/>
-            </a:endParaRPr>
-          </a:p>
-          <a:p>
-            <a:pPr marL="0" lvl="0" indent="0" algn="l" rtl="0">
-              <a:spcBef>
-                <a:spcPts val="0"/>
-              </a:spcBef>
-              <a:spcAft>
-                <a:spcPts val="0"/>
-              </a:spcAft>
-              <a:buNone/>
-            </a:pPr>
-            <a:r>
-              <a:rPr lang="en" sz="800" dirty="0">
-                <a:latin typeface="Roboto Mono"/>
-                <a:ea typeface="Roboto Mono"/>
-                <a:cs typeface="Roboto Mono"/>
-                <a:sym typeface="Roboto Mono"/>
-              </a:rPr>
-              <a:t>    public void g(Car c1, Car c2) {</a:t>
-            </a:r>
-            <a:endParaRPr sz="800" dirty="0">
-              <a:latin typeface="Roboto Mono"/>
-              <a:ea typeface="Roboto Mono"/>
-              <a:cs typeface="Roboto Mono"/>
-              <a:sym typeface="Roboto Mono"/>
-            </a:endParaRPr>
-          </a:p>
-          <a:p>
-            <a:pPr marL="0" lvl="0" indent="0" algn="l" rtl="0">
-              <a:spcBef>
-                <a:spcPts val="0"/>
-              </a:spcBef>
-              <a:spcAft>
-                <a:spcPts val="0"/>
-              </a:spcAft>
-              <a:buNone/>
-            </a:pPr>
-            <a:r>
-              <a:rPr lang="en" sz="800" dirty="0">
-                <a:latin typeface="Roboto Mono"/>
-                <a:ea typeface="Roboto Mono"/>
-                <a:cs typeface="Roboto Mono"/>
-                <a:sym typeface="Roboto Mono"/>
-              </a:rPr>
-              <a:t>      c2 = c1;</a:t>
-            </a:r>
-            <a:endParaRPr sz="800" dirty="0">
-              <a:latin typeface="Roboto Mono"/>
-              <a:ea typeface="Roboto Mono"/>
-              <a:cs typeface="Roboto Mono"/>
-              <a:sym typeface="Roboto Mono"/>
-            </a:endParaRPr>
-          </a:p>
-          <a:p>
-            <a:pPr marL="0" lvl="0" indent="0" algn="l" rtl="0">
-              <a:spcBef>
-                <a:spcPts val="0"/>
-              </a:spcBef>
-              <a:spcAft>
-                <a:spcPts val="0"/>
-              </a:spcAft>
-              <a:buNone/>
-            </a:pPr>
-            <a:r>
-              <a:rPr lang="en" sz="800" dirty="0">
-                <a:latin typeface="Roboto Mono"/>
-                <a:ea typeface="Roboto Mono"/>
-                <a:cs typeface="Roboto Mono"/>
-                <a:sym typeface="Roboto Mono"/>
-              </a:rPr>
-              <a:t>      c2.color = "blue";</a:t>
-            </a:r>
-            <a:endParaRPr sz="800" dirty="0">
-              <a:latin typeface="Roboto Mono"/>
-              <a:ea typeface="Roboto Mono"/>
-              <a:cs typeface="Roboto Mono"/>
-              <a:sym typeface="Roboto Mono"/>
-            </a:endParaRPr>
-          </a:p>
-          <a:p>
-            <a:pPr marL="0" lvl="0" indent="0" algn="l" rtl="0">
-              <a:spcBef>
-                <a:spcPts val="0"/>
-              </a:spcBef>
-              <a:spcAft>
-                <a:spcPts val="0"/>
-              </a:spcAft>
-              <a:buNone/>
-            </a:pPr>
-            <a:r>
-              <a:rPr lang="en" sz="800" dirty="0">
-                <a:latin typeface="Roboto Mono"/>
-                <a:ea typeface="Roboto Mono"/>
-                <a:cs typeface="Roboto Mono"/>
-                <a:sym typeface="Roboto Mono"/>
-              </a:rPr>
-              <a:t>    }</a:t>
-            </a:r>
-            <a:endParaRPr sz="800" dirty="0">
-              <a:latin typeface="Roboto Mono"/>
-              <a:ea typeface="Roboto Mono"/>
-              <a:cs typeface="Roboto Mono"/>
-              <a:sym typeface="Roboto Mono"/>
-            </a:endParaRPr>
-          </a:p>
-          <a:p>
-            <a:pPr marL="0" lvl="0" indent="0" algn="l" rtl="0">
-              <a:spcBef>
-                <a:spcPts val="0"/>
-              </a:spcBef>
-              <a:spcAft>
-                <a:spcPts val="0"/>
-              </a:spcAft>
-              <a:buNone/>
-            </a:pPr>
-            <a:r>
-              <a:rPr lang="en" sz="800" dirty="0">
-                <a:latin typeface="Roboto Mono"/>
-                <a:ea typeface="Roboto Mono"/>
-                <a:cs typeface="Roboto Mono"/>
-                <a:sym typeface="Roboto Mono"/>
-              </a:rPr>
-              <a:t>    public String question () {</a:t>
-            </a:r>
-            <a:endParaRPr sz="800" dirty="0">
-              <a:latin typeface="Roboto Mono"/>
-              <a:ea typeface="Roboto Mono"/>
-              <a:cs typeface="Roboto Mono"/>
-              <a:sym typeface="Roboto Mono"/>
-            </a:endParaRPr>
-          </a:p>
-          <a:p>
-            <a:pPr marL="0" lvl="0" indent="0" algn="l" rtl="0">
-              <a:spcBef>
-                <a:spcPts val="0"/>
-              </a:spcBef>
-              <a:spcAft>
-                <a:spcPts val="0"/>
-              </a:spcAft>
-              <a:buNone/>
-            </a:pPr>
-            <a:r>
-              <a:rPr lang="en" sz="800" dirty="0">
-                <a:latin typeface="Roboto Mono"/>
-                <a:ea typeface="Roboto Mono"/>
-                <a:cs typeface="Roboto Mono"/>
-                <a:sym typeface="Roboto Mono"/>
-              </a:rPr>
-              <a:t>      Car redCar = new Car("red", new Coord(5, 6));</a:t>
-            </a:r>
-            <a:endParaRPr sz="800" dirty="0">
-              <a:latin typeface="Roboto Mono"/>
-              <a:ea typeface="Roboto Mono"/>
-              <a:cs typeface="Roboto Mono"/>
-              <a:sym typeface="Roboto Mono"/>
-            </a:endParaRPr>
-          </a:p>
-          <a:p>
-            <a:pPr marL="0" lvl="0" indent="0" algn="l" rtl="0">
-              <a:spcBef>
-                <a:spcPts val="0"/>
-              </a:spcBef>
-              <a:spcAft>
-                <a:spcPts val="0"/>
-              </a:spcAft>
-              <a:buNone/>
-            </a:pPr>
-            <a:r>
-              <a:rPr lang="en" sz="800" dirty="0">
-                <a:latin typeface="Roboto Mono"/>
-                <a:ea typeface="Roboto Mono"/>
-                <a:cs typeface="Roboto Mono"/>
-                <a:sym typeface="Roboto Mono"/>
-              </a:rPr>
-              <a:t>      Car greenCar = new Car("green", new Coord(7, 8));</a:t>
-            </a:r>
-            <a:endParaRPr sz="800" dirty="0">
-              <a:latin typeface="Roboto Mono"/>
-              <a:ea typeface="Roboto Mono"/>
-              <a:cs typeface="Roboto Mono"/>
-              <a:sym typeface="Roboto Mono"/>
-            </a:endParaRPr>
-          </a:p>
-          <a:p>
-            <a:pPr marL="0" lvl="0" indent="0" algn="l" rtl="0">
-              <a:spcBef>
-                <a:spcPts val="0"/>
-              </a:spcBef>
-              <a:spcAft>
-                <a:spcPts val="0"/>
-              </a:spcAft>
-              <a:buNone/>
-            </a:pPr>
-            <a:r>
-              <a:rPr lang="en" sz="800" dirty="0">
-                <a:latin typeface="Roboto Mono"/>
-                <a:ea typeface="Roboto Mono"/>
-                <a:cs typeface="Roboto Mono"/>
-                <a:sym typeface="Roboto Mono"/>
-              </a:rPr>
-              <a:t>      this.g(redCar, greenCar);</a:t>
-            </a:r>
-            <a:endParaRPr sz="800" dirty="0">
-              <a:latin typeface="Roboto Mono"/>
-              <a:ea typeface="Roboto Mono"/>
-              <a:cs typeface="Roboto Mono"/>
-              <a:sym typeface="Roboto Mono"/>
-            </a:endParaRPr>
-          </a:p>
-          <a:p>
-            <a:pPr marL="0" lvl="0" indent="0" algn="l" rtl="0">
-              <a:spcBef>
-                <a:spcPts val="0"/>
-              </a:spcBef>
-              <a:spcAft>
-                <a:spcPts val="0"/>
-              </a:spcAft>
-              <a:buNone/>
-            </a:pPr>
-            <a:r>
-              <a:rPr lang="en" sz="800" dirty="0">
-                <a:latin typeface="Roboto Mono"/>
-                <a:ea typeface="Roboto Mono"/>
-                <a:cs typeface="Roboto Mono"/>
-                <a:sym typeface="Roboto Mono"/>
-              </a:rPr>
-              <a:t>      return redCar.color + ", " + greenCar.color;</a:t>
-            </a:r>
-            <a:endParaRPr sz="800" dirty="0">
-              <a:latin typeface="Roboto Mono"/>
-              <a:ea typeface="Roboto Mono"/>
-              <a:cs typeface="Roboto Mono"/>
-              <a:sym typeface="Roboto Mono"/>
-            </a:endParaRPr>
-          </a:p>
-          <a:p>
-            <a:pPr marL="0" lvl="0" indent="0" algn="l" rtl="0">
-              <a:spcBef>
-                <a:spcPts val="0"/>
-              </a:spcBef>
-              <a:spcAft>
-                <a:spcPts val="0"/>
-              </a:spcAft>
-              <a:buNone/>
-            </a:pPr>
-            <a:r>
-              <a:rPr lang="en" sz="800" dirty="0">
-                <a:latin typeface="Roboto Mono"/>
-                <a:ea typeface="Roboto Mono"/>
-                <a:cs typeface="Roboto Mono"/>
-                <a:sym typeface="Roboto Mono"/>
-              </a:rPr>
-              <a:t>    }</a:t>
-            </a:r>
-            <a:endParaRPr sz="800" dirty="0">
-              <a:latin typeface="Roboto Mono"/>
-              <a:ea typeface="Roboto Mono"/>
-              <a:cs typeface="Roboto Mono"/>
-              <a:sym typeface="Roboto Mono"/>
-            </a:endParaRPr>
-          </a:p>
-          <a:p>
-            <a:pPr marL="0" lvl="0" indent="0" algn="l" rtl="0">
-              <a:spcBef>
-                <a:spcPts val="0"/>
-              </a:spcBef>
-              <a:spcAft>
-                <a:spcPts val="0"/>
-              </a:spcAft>
-              <a:buNone/>
-            </a:pPr>
-            <a:r>
-              <a:rPr lang="en" sz="800" dirty="0">
-                <a:latin typeface="Roboto Mono"/>
-                <a:ea typeface="Roboto Mono"/>
-                <a:cs typeface="Roboto Mono"/>
-                <a:sym typeface="Roboto Mono"/>
-              </a:rPr>
-              <a:t>    public static void main(String[] args) {</a:t>
-            </a:r>
-            <a:endParaRPr sz="800" dirty="0">
-              <a:latin typeface="Roboto Mono"/>
-              <a:ea typeface="Roboto Mono"/>
-              <a:cs typeface="Roboto Mono"/>
-              <a:sym typeface="Roboto Mono"/>
-            </a:endParaRPr>
-          </a:p>
-          <a:p>
-            <a:pPr marL="0" lvl="0" indent="0" algn="l" rtl="0">
-              <a:spcBef>
-                <a:spcPts val="0"/>
-              </a:spcBef>
-              <a:spcAft>
-                <a:spcPts val="0"/>
-              </a:spcAft>
-              <a:buNone/>
-            </a:pPr>
-            <a:r>
-              <a:rPr lang="en" sz="800" dirty="0">
-                <a:latin typeface="Roboto Mono"/>
-                <a:ea typeface="Roboto Mono"/>
-                <a:cs typeface="Roboto Mono"/>
-                <a:sym typeface="Roboto Mono"/>
-              </a:rPr>
-              <a:t>      System.out.println(new Q1().question());</a:t>
-            </a:r>
-            <a:endParaRPr sz="800" dirty="0">
-              <a:latin typeface="Roboto Mono"/>
-              <a:ea typeface="Roboto Mono"/>
-              <a:cs typeface="Roboto Mono"/>
-              <a:sym typeface="Roboto Mono"/>
-            </a:endParaRPr>
-          </a:p>
-          <a:p>
-            <a:pPr marL="0" lvl="0" indent="0" algn="l" rtl="0">
-              <a:spcBef>
-                <a:spcPts val="0"/>
-              </a:spcBef>
-              <a:spcAft>
-                <a:spcPts val="0"/>
-              </a:spcAft>
-              <a:buNone/>
-            </a:pPr>
-            <a:r>
-              <a:rPr lang="en" sz="800" dirty="0">
-                <a:latin typeface="Roboto Mono"/>
-                <a:ea typeface="Roboto Mono"/>
-                <a:cs typeface="Roboto Mono"/>
-                <a:sym typeface="Roboto Mono"/>
-              </a:rPr>
-              <a:t>    }</a:t>
-            </a:r>
-            <a:endParaRPr sz="800" dirty="0">
-              <a:latin typeface="Roboto Mono"/>
-              <a:ea typeface="Roboto Mono"/>
-              <a:cs typeface="Roboto Mono"/>
-              <a:sym typeface="Roboto Mono"/>
-            </a:endParaRPr>
-          </a:p>
-          <a:p>
-            <a:pPr marL="0" lvl="0" indent="0" algn="l" rtl="0">
-              <a:spcBef>
-                <a:spcPts val="0"/>
-              </a:spcBef>
-              <a:spcAft>
-                <a:spcPts val="0"/>
-              </a:spcAft>
-              <a:buNone/>
-            </a:pPr>
-            <a:r>
-              <a:rPr lang="en" sz="800" dirty="0">
-                <a:latin typeface="Roboto Mono"/>
-                <a:ea typeface="Roboto Mono"/>
-                <a:cs typeface="Roboto Mono"/>
-                <a:sym typeface="Roboto Mono"/>
-              </a:rPr>
-              <a:t>  }</a:t>
-            </a:r>
-            <a:endParaRPr sz="800" dirty="0">
-              <a:latin typeface="Roboto Mono"/>
-              <a:ea typeface="Roboto Mono"/>
-              <a:cs typeface="Roboto Mono"/>
-              <a:sym typeface="Roboto Mono"/>
-            </a:endParaRPr>
-          </a:p>
-        </p:txBody>
-      </p:sp>
-      <p:cxnSp>
-        <p:nvCxnSpPr>
-          <p:cNvPr id="70" name="Google Shape;70;p14"/>
-          <p:cNvCxnSpPr/>
-          <p:nvPr/>
-        </p:nvCxnSpPr>
-        <p:spPr>
-          <a:xfrm>
-            <a:off x="311275" y="5399550"/>
-            <a:ext cx="7146600" cy="0"/>
-          </a:xfrm>
-          <a:prstGeom prst="straightConnector1">
-            <a:avLst/>
-          </a:prstGeom>
-          <a:noFill/>
-          <a:ln w="9525" cap="flat" cmpd="sng">
-            <a:solidFill>
-              <a:schemeClr val="dk2"/>
-            </a:solidFill>
-            <a:prstDash val="solid"/>
-            <a:round/>
-            <a:headEnd type="none" w="med" len="med"/>
-            <a:tailEnd type="none" w="med" len="med"/>
-          </a:ln>
-        </p:spPr>
-      </p:cxnSp>
-      <p:sp>
-        <p:nvSpPr>
           <p:cNvPr id="71" name="Google Shape;71;p14"/>
           <p:cNvSpPr txBox="1"/>
           <p:nvPr/>
